--- a/черновик презентации.pptx
+++ b/черновик презентации.pptx
@@ -8,6 +8,8 @@
     <p:sldId id="256" r:id="rId2"/>
     <p:sldId id="257" r:id="rId3"/>
     <p:sldId id="258" r:id="rId4"/>
+    <p:sldId id="260" r:id="rId5"/>
+    <p:sldId id="259" r:id="rId6"/>
   </p:sldIdLst>
   <p:sldSz cx="12192000" cy="6858000"/>
   <p:notesSz cx="6858000" cy="9144000"/>
@@ -263,7 +265,7 @@
           <a:p>
             <a:fld id="{E9C7B326-3242-9E40-A077-FAEEB0A3B4D3}" type="datetimeFigureOut">
               <a:rPr lang="uk-UA" smtClean="0"/>
-              <a:t>15.04.2024</a:t>
+              <a:t>24.04.2024</a:t>
             </a:fld>
             <a:endParaRPr lang="uk-UA"/>
           </a:p>
@@ -492,7 +494,7 @@
           <a:p>
             <a:fld id="{E9C7B326-3242-9E40-A077-FAEEB0A3B4D3}" type="datetimeFigureOut">
               <a:rPr lang="uk-UA" smtClean="0"/>
-              <a:t>15.04.2024</a:t>
+              <a:t>24.04.2024</a:t>
             </a:fld>
             <a:endParaRPr lang="uk-UA"/>
           </a:p>
@@ -702,7 +704,7 @@
           <a:p>
             <a:fld id="{E9C7B326-3242-9E40-A077-FAEEB0A3B4D3}" type="datetimeFigureOut">
               <a:rPr lang="uk-UA" smtClean="0"/>
-              <a:t>15.04.2024</a:t>
+              <a:t>24.04.2024</a:t>
             </a:fld>
             <a:endParaRPr lang="uk-UA"/>
           </a:p>
@@ -902,7 +904,7 @@
           <a:p>
             <a:fld id="{E9C7B326-3242-9E40-A077-FAEEB0A3B4D3}" type="datetimeFigureOut">
               <a:rPr lang="uk-UA" smtClean="0"/>
-              <a:t>15.04.2024</a:t>
+              <a:t>24.04.2024</a:t>
             </a:fld>
             <a:endParaRPr lang="uk-UA"/>
           </a:p>
@@ -1178,7 +1180,7 @@
           <a:p>
             <a:fld id="{E9C7B326-3242-9E40-A077-FAEEB0A3B4D3}" type="datetimeFigureOut">
               <a:rPr lang="uk-UA" smtClean="0"/>
-              <a:t>15.04.2024</a:t>
+              <a:t>24.04.2024</a:t>
             </a:fld>
             <a:endParaRPr lang="uk-UA"/>
           </a:p>
@@ -1446,7 +1448,7 @@
           <a:p>
             <a:fld id="{E9C7B326-3242-9E40-A077-FAEEB0A3B4D3}" type="datetimeFigureOut">
               <a:rPr lang="uk-UA" smtClean="0"/>
-              <a:t>15.04.2024</a:t>
+              <a:t>24.04.2024</a:t>
             </a:fld>
             <a:endParaRPr lang="uk-UA"/>
           </a:p>
@@ -1861,7 +1863,7 @@
           <a:p>
             <a:fld id="{E9C7B326-3242-9E40-A077-FAEEB0A3B4D3}" type="datetimeFigureOut">
               <a:rPr lang="uk-UA" smtClean="0"/>
-              <a:t>15.04.2024</a:t>
+              <a:t>24.04.2024</a:t>
             </a:fld>
             <a:endParaRPr lang="uk-UA"/>
           </a:p>
@@ -2003,7 +2005,7 @@
           <a:p>
             <a:fld id="{E9C7B326-3242-9E40-A077-FAEEB0A3B4D3}" type="datetimeFigureOut">
               <a:rPr lang="uk-UA" smtClean="0"/>
-              <a:t>15.04.2024</a:t>
+              <a:t>24.04.2024</a:t>
             </a:fld>
             <a:endParaRPr lang="uk-UA"/>
           </a:p>
@@ -2116,7 +2118,7 @@
           <a:p>
             <a:fld id="{E9C7B326-3242-9E40-A077-FAEEB0A3B4D3}" type="datetimeFigureOut">
               <a:rPr lang="uk-UA" smtClean="0"/>
-              <a:t>15.04.2024</a:t>
+              <a:t>24.04.2024</a:t>
             </a:fld>
             <a:endParaRPr lang="uk-UA"/>
           </a:p>
@@ -2429,7 +2431,7 @@
           <a:p>
             <a:fld id="{E9C7B326-3242-9E40-A077-FAEEB0A3B4D3}" type="datetimeFigureOut">
               <a:rPr lang="uk-UA" smtClean="0"/>
-              <a:t>15.04.2024</a:t>
+              <a:t>24.04.2024</a:t>
             </a:fld>
             <a:endParaRPr lang="uk-UA"/>
           </a:p>
@@ -2718,7 +2720,7 @@
           <a:p>
             <a:fld id="{E9C7B326-3242-9E40-A077-FAEEB0A3B4D3}" type="datetimeFigureOut">
               <a:rPr lang="uk-UA" smtClean="0"/>
-              <a:t>15.04.2024</a:t>
+              <a:t>24.04.2024</a:t>
             </a:fld>
             <a:endParaRPr lang="uk-UA"/>
           </a:p>
@@ -2935,7 +2937,7 @@
           <a:p>
             <a:fld id="{E9C7B326-3242-9E40-A077-FAEEB0A3B4D3}" type="datetimeFigureOut">
               <a:rPr lang="uk-UA" smtClean="0"/>
-              <a:t>15.04.2024</a:t>
+              <a:t>24.04.2024</a:t>
             </a:fld>
             <a:endParaRPr lang="uk-UA"/>
           </a:p>
@@ -3908,6 +3910,266 @@
 </p:sld>
 </file>
 
+<file path=ppt/slides/slide4.xml><?xml version="1.0" encoding="utf-8"?>
+<p:sld xmlns:a="http://schemas.openxmlformats.org/drawingml/2006/main" xmlns:r="http://schemas.openxmlformats.org/officeDocument/2006/relationships" xmlns:p="http://schemas.openxmlformats.org/presentationml/2006/main">
+  <p:cSld>
+    <p:spTree>
+      <p:nvGrpSpPr>
+        <p:cNvPr id="1" name=""/>
+        <p:cNvGrpSpPr/>
+        <p:nvPr/>
+      </p:nvGrpSpPr>
+      <p:grpSpPr>
+        <a:xfrm>
+          <a:off x="0" y="0"/>
+          <a:ext cx="0" cy="0"/>
+          <a:chOff x="0" y="0"/>
+          <a:chExt cx="0" cy="0"/>
+        </a:xfrm>
+      </p:grpSpPr>
+      <p:sp>
+        <p:nvSpPr>
+          <p:cNvPr id="2" name="Title 1">
+            <a:extLst>
+              <a:ext uri="{FF2B5EF4-FFF2-40B4-BE49-F238E27FC236}">
+                <a16:creationId xmlns:a16="http://schemas.microsoft.com/office/drawing/2014/main" id="{894EFAEF-26EE-137B-807A-DB38FCE37942}"/>
+              </a:ext>
+            </a:extLst>
+          </p:cNvPr>
+          <p:cNvSpPr>
+            <a:spLocks noGrp="1"/>
+          </p:cNvSpPr>
+          <p:nvPr>
+            <p:ph type="title"/>
+          </p:nvPr>
+        </p:nvSpPr>
+        <p:spPr/>
+        <p:txBody>
+          <a:bodyPr/>
+          <a:lstStyle/>
+          <a:p>
+            <a:r>
+              <a:rPr lang="ru-RU" dirty="0">
+                <a:solidFill>
+                  <a:schemeClr val="accent3">
+                    <a:lumMod val="75000"/>
+                  </a:schemeClr>
+                </a:solidFill>
+                <a:latin typeface="Bahnschrift SemiBold" panose="020B0502040204020203" pitchFamily="34" charset="0"/>
+              </a:rPr>
+              <a:t>База данных</a:t>
+            </a:r>
+            <a:endParaRPr lang="en-US" dirty="0">
+              <a:solidFill>
+                <a:schemeClr val="accent3">
+                  <a:lumMod val="75000"/>
+                </a:schemeClr>
+              </a:solidFill>
+              <a:latin typeface="Bahnschrift SemiBold" panose="020B0502040204020203" pitchFamily="34" charset="0"/>
+            </a:endParaRPr>
+          </a:p>
+        </p:txBody>
+      </p:sp>
+      <p:pic>
+        <p:nvPicPr>
+          <p:cNvPr id="7" name="Content Placeholder 6">
+            <a:extLst>
+              <a:ext uri="{FF2B5EF4-FFF2-40B4-BE49-F238E27FC236}">
+                <a16:creationId xmlns:a16="http://schemas.microsoft.com/office/drawing/2014/main" id="{5B2C12F7-2D6C-DAF3-6F81-04FBF70FBA4F}"/>
+              </a:ext>
+            </a:extLst>
+          </p:cNvPr>
+          <p:cNvPicPr>
+            <a:picLocks noGrp="1" noChangeAspect="1"/>
+          </p:cNvPicPr>
+          <p:nvPr>
+            <p:ph idx="1"/>
+          </p:nvPr>
+        </p:nvPicPr>
+        <p:blipFill rotWithShape="1">
+          <a:blip r:embed="rId2"/>
+          <a:srcRect b="7911"/>
+          <a:stretch/>
+        </p:blipFill>
+        <p:spPr>
+          <a:xfrm>
+            <a:off x="838200" y="1462925"/>
+            <a:ext cx="3327039" cy="2291082"/>
+          </a:xfrm>
+        </p:spPr>
+      </p:pic>
+      <p:pic>
+        <p:nvPicPr>
+          <p:cNvPr id="9" name="Picture 8">
+            <a:extLst>
+              <a:ext uri="{FF2B5EF4-FFF2-40B4-BE49-F238E27FC236}">
+                <a16:creationId xmlns:a16="http://schemas.microsoft.com/office/drawing/2014/main" id="{F06C52D9-D27B-582F-5A26-86753D8A3411}"/>
+              </a:ext>
+            </a:extLst>
+          </p:cNvPr>
+          <p:cNvPicPr>
+            <a:picLocks noChangeAspect="1"/>
+          </p:cNvPicPr>
+          <p:nvPr/>
+        </p:nvPicPr>
+        <p:blipFill>
+          <a:blip r:embed="rId3"/>
+          <a:stretch>
+            <a:fillRect/>
+          </a:stretch>
+        </p:blipFill>
+        <p:spPr>
+          <a:xfrm>
+            <a:off x="6729620" y="1462925"/>
+            <a:ext cx="3691453" cy="2291082"/>
+          </a:xfrm>
+          <a:prstGeom prst="rect">
+            <a:avLst/>
+          </a:prstGeom>
+        </p:spPr>
+      </p:pic>
+      <p:pic>
+        <p:nvPicPr>
+          <p:cNvPr id="11" name="Picture 10">
+            <a:extLst>
+              <a:ext uri="{FF2B5EF4-FFF2-40B4-BE49-F238E27FC236}">
+                <a16:creationId xmlns:a16="http://schemas.microsoft.com/office/drawing/2014/main" id="{304BC061-C6D9-36E6-EF38-49F8D708CAC0}"/>
+              </a:ext>
+            </a:extLst>
+          </p:cNvPr>
+          <p:cNvPicPr>
+            <a:picLocks noChangeAspect="1"/>
+          </p:cNvPicPr>
+          <p:nvPr/>
+        </p:nvPicPr>
+        <p:blipFill>
+          <a:blip r:embed="rId4"/>
+          <a:stretch>
+            <a:fillRect/>
+          </a:stretch>
+        </p:blipFill>
+        <p:spPr>
+          <a:xfrm>
+            <a:off x="838199" y="4654609"/>
+            <a:ext cx="3327039" cy="1256985"/>
+          </a:xfrm>
+          <a:prstGeom prst="rect">
+            <a:avLst/>
+          </a:prstGeom>
+        </p:spPr>
+      </p:pic>
+      <p:pic>
+        <p:nvPicPr>
+          <p:cNvPr id="13" name="Picture 12">
+            <a:extLst>
+              <a:ext uri="{FF2B5EF4-FFF2-40B4-BE49-F238E27FC236}">
+                <a16:creationId xmlns:a16="http://schemas.microsoft.com/office/drawing/2014/main" id="{9C5820D5-6990-6EFC-B3DA-1C80FBE29221}"/>
+              </a:ext>
+            </a:extLst>
+          </p:cNvPr>
+          <p:cNvPicPr>
+            <a:picLocks noChangeAspect="1"/>
+          </p:cNvPicPr>
+          <p:nvPr/>
+        </p:nvPicPr>
+        <p:blipFill>
+          <a:blip r:embed="rId5"/>
+          <a:stretch>
+            <a:fillRect/>
+          </a:stretch>
+        </p:blipFill>
+        <p:spPr>
+          <a:xfrm>
+            <a:off x="6729619" y="4136243"/>
+            <a:ext cx="3691453" cy="2293719"/>
+          </a:xfrm>
+          <a:prstGeom prst="rect">
+            <a:avLst/>
+          </a:prstGeom>
+        </p:spPr>
+      </p:pic>
+    </p:spTree>
+    <p:extLst>
+      <p:ext uri="{BB962C8B-B14F-4D97-AF65-F5344CB8AC3E}">
+        <p14:creationId xmlns:p14="http://schemas.microsoft.com/office/powerpoint/2010/main" val="3384953405"/>
+      </p:ext>
+    </p:extLst>
+  </p:cSld>
+  <p:clrMapOvr>
+    <a:masterClrMapping/>
+  </p:clrMapOvr>
+</p:sld>
+</file>
+
+<file path=ppt/slides/slide5.xml><?xml version="1.0" encoding="utf-8"?>
+<p:sld xmlns:a="http://schemas.openxmlformats.org/drawingml/2006/main" xmlns:r="http://schemas.openxmlformats.org/officeDocument/2006/relationships" xmlns:p="http://schemas.openxmlformats.org/presentationml/2006/main">
+  <p:cSld>
+    <p:spTree>
+      <p:nvGrpSpPr>
+        <p:cNvPr id="1" name=""/>
+        <p:cNvGrpSpPr/>
+        <p:nvPr/>
+      </p:nvGrpSpPr>
+      <p:grpSpPr>
+        <a:xfrm>
+          <a:off x="0" y="0"/>
+          <a:ext cx="0" cy="0"/>
+          <a:chOff x="0" y="0"/>
+          <a:chExt cx="0" cy="0"/>
+        </a:xfrm>
+      </p:grpSpPr>
+      <p:sp>
+        <p:nvSpPr>
+          <p:cNvPr id="4" name="Title 3">
+            <a:extLst>
+              <a:ext uri="{FF2B5EF4-FFF2-40B4-BE49-F238E27FC236}">
+                <a16:creationId xmlns:a16="http://schemas.microsoft.com/office/drawing/2014/main" id="{DC6008F1-2ACD-4B3E-C0F7-8325CBABCD30}"/>
+              </a:ext>
+            </a:extLst>
+          </p:cNvPr>
+          <p:cNvSpPr>
+            <a:spLocks noGrp="1"/>
+          </p:cNvSpPr>
+          <p:nvPr>
+            <p:ph type="title"/>
+          </p:nvPr>
+        </p:nvSpPr>
+        <p:spPr>
+          <a:xfrm>
+            <a:off x="664580" y="2778678"/>
+            <a:ext cx="10515600" cy="933323"/>
+          </a:xfrm>
+        </p:spPr>
+        <p:txBody>
+          <a:bodyPr/>
+          <a:lstStyle/>
+          <a:p>
+            <a:pPr algn="ctr"/>
+            <a:r>
+              <a:rPr lang="ru-RU" dirty="0">
+                <a:latin typeface="Bahnschrift SemiBold" panose="020B0502040204020203" pitchFamily="34" charset="0"/>
+              </a:rPr>
+              <a:t>Спасибо за внимание!</a:t>
+            </a:r>
+            <a:endParaRPr lang="en-US" dirty="0">
+              <a:latin typeface="Bahnschrift SemiBold" panose="020B0502040204020203" pitchFamily="34" charset="0"/>
+            </a:endParaRPr>
+          </a:p>
+        </p:txBody>
+      </p:sp>
+    </p:spTree>
+    <p:extLst>
+      <p:ext uri="{BB962C8B-B14F-4D97-AF65-F5344CB8AC3E}">
+        <p14:creationId xmlns:p14="http://schemas.microsoft.com/office/powerpoint/2010/main" val="3330776426"/>
+      </p:ext>
+    </p:extLst>
+  </p:cSld>
+  <p:clrMapOvr>
+    <a:masterClrMapping/>
+  </p:clrMapOvr>
+</p:sld>
+</file>
+
 <file path=ppt/theme/theme1.xml><?xml version="1.0" encoding="utf-8"?>
 <a:theme xmlns:a="http://schemas.openxmlformats.org/drawingml/2006/main" name="Office Theme">
   <a:themeElements>
